--- a/Problem and Solution in Concurrency.pptx
+++ b/Problem and Solution in Concurrency.pptx
@@ -5,7 +5,7 @@
     <p:sldMasterId id="2147483648" r:id="rId1"/>
   </p:sldMasterIdLst>
   <p:notesMasterIdLst>
-    <p:notesMasterId r:id="rId15"/>
+    <p:notesMasterId r:id="rId16"/>
   </p:notesMasterIdLst>
   <p:sldIdLst>
     <p:sldId id="258" r:id="rId2"/>
@@ -18,9 +18,10 @@
     <p:sldId id="264" r:id="rId9"/>
     <p:sldId id="265" r:id="rId10"/>
     <p:sldId id="267" r:id="rId11"/>
-    <p:sldId id="256" r:id="rId12"/>
-    <p:sldId id="257" r:id="rId13"/>
-    <p:sldId id="268" r:id="rId14"/>
+    <p:sldId id="269" r:id="rId12"/>
+    <p:sldId id="256" r:id="rId13"/>
+    <p:sldId id="257" r:id="rId14"/>
+    <p:sldId id="268" r:id="rId15"/>
   </p:sldIdLst>
   <p:sldSz cx="12192000" cy="6858000"/>
   <p:notesSz cx="6858000" cy="9144000"/>
@@ -626,7 +627,7 @@
           <a:p>
             <a:fld id="{A5DE3F21-4B15-41BC-BBF3-CBCAE7E81B81}" type="slidenum">
               <a:rPr lang="en-US" smtClean="0"/>
-              <a:t>12</a:t>
+              <a:t>13</a:t>
             </a:fld>
             <a:endParaRPr lang="en-US"/>
           </a:p>
@@ -3640,7 +3641,7 @@
         <p:spPr>
           <a:xfrm>
             <a:off x="839788" y="1387475"/>
-            <a:ext cx="10266362" cy="4481513"/>
+            <a:ext cx="10266362" cy="5188423"/>
           </a:xfrm>
         </p:spPr>
         <p:txBody>
@@ -3658,8 +3659,13 @@
             </a:pPr>
             <a:r>
               <a:rPr lang="en-US" sz="2400" smtClean="0"/>
-              <a:t>Goroutine là một hàm hoặc một phương thức được thực thi độc lập và đồng thời</a:t>
-            </a:r>
+              <a:t>Goroutine là một hàm hoặc một phương thức được thực thi độc lập và đồng </a:t>
+            </a:r>
+            <a:r>
+              <a:rPr lang="en-US" sz="2400" smtClean="0"/>
+              <a:t>thời với các hàm hoặc phương thức khác</a:t>
+            </a:r>
+            <a:endParaRPr lang="en-US" sz="2400"/>
           </a:p>
           <a:p>
             <a:pPr marL="342900" indent="-342900" algn="just">
@@ -3671,18 +3677,69 @@
             </a:pPr>
             <a:r>
               <a:rPr lang="en-US" sz="2400" smtClean="0"/>
-              <a:t>Các goroutine giao tiếp với nhau thông qua channel</a:t>
-            </a:r>
-          </a:p>
-          <a:p>
-            <a:pPr marL="342900" indent="-342900" algn="just">
+              <a:t>Goroutine vs Thread:</a:t>
+            </a:r>
+            <a:endParaRPr lang="en-US" sz="2400"/>
+          </a:p>
+          <a:p>
+            <a:pPr algn="just">
               <a:lnSpc>
                 <a:spcPct val="130000"/>
               </a:lnSpc>
-              <a:buFont typeface="Arial" panose="020B0604020202020204" pitchFamily="34" charset="0"/>
-              <a:buChar char="•"/>
             </a:pPr>
-            <a:endParaRPr lang="en-US" sz="2400" smtClean="0"/>
+            <a:r>
+              <a:rPr lang="en-US" sz="2400"/>
+              <a:t>	</a:t>
+            </a:r>
+            <a:r>
+              <a:rPr lang="en-US" sz="2400" smtClean="0"/>
+              <a:t>- Goroutine nhẹ hơn Thread (2KB so với 2MB)</a:t>
+            </a:r>
+          </a:p>
+          <a:p>
+            <a:pPr algn="just">
+              <a:lnSpc>
+                <a:spcPct val="130000"/>
+              </a:lnSpc>
+            </a:pPr>
+            <a:r>
+              <a:rPr lang="en-US" sz="2400"/>
+              <a:t>	</a:t>
+            </a:r>
+            <a:r>
+              <a:rPr lang="en-US" sz="2400" smtClean="0"/>
+              <a:t>- Stack có thể tăng giảm kích thước tùy nhu cầu</a:t>
+            </a:r>
+          </a:p>
+          <a:p>
+            <a:pPr algn="just">
+              <a:lnSpc>
+                <a:spcPct val="130000"/>
+              </a:lnSpc>
+            </a:pPr>
+            <a:r>
+              <a:rPr lang="en-US" sz="2400"/>
+              <a:t>	</a:t>
+            </a:r>
+            <a:r>
+              <a:rPr lang="en-US" sz="2400" smtClean="0"/>
+              <a:t>- Các goroutine giao tiếp qua channel</a:t>
+            </a:r>
+          </a:p>
+          <a:p>
+            <a:pPr algn="just">
+              <a:lnSpc>
+                <a:spcPct val="130000"/>
+              </a:lnSpc>
+            </a:pPr>
+            <a:r>
+              <a:rPr lang="en-US" sz="2400"/>
+              <a:t>	</a:t>
+            </a:r>
+            <a:r>
+              <a:rPr lang="en-US" sz="2400" smtClean="0"/>
+              <a:t>- Một luồng có thể xử lý nhiều goroutine. Nếu goroutine trong một luồng block, các goroutine khác sẽ được chuyển sang luồng mới được khởi tạo bởi OS</a:t>
+            </a:r>
           </a:p>
         </p:txBody>
       </p:sp>
@@ -3735,79 +3792,36 @@
         </p:nvSpPr>
         <p:spPr>
           <a:xfrm>
-            <a:off x="839788" y="365125"/>
-            <a:ext cx="10515600" cy="720725"/>
-          </a:xfrm>
-        </p:spPr>
-        <p:txBody>
-          <a:bodyPr>
-            <a:normAutofit/>
-          </a:bodyPr>
-          <a:lstStyle/>
-          <a:p>
-            <a:r>
-              <a:rPr lang="en-US" sz="3200" b="1" smtClean="0">
-                <a:latin typeface="Arial" panose="020B0604020202020204" pitchFamily="34" charset="0"/>
-                <a:cs typeface="Arial" panose="020B0604020202020204" pitchFamily="34" charset="0"/>
-              </a:rPr>
-              <a:t>sync.Mutex</a:t>
-            </a:r>
-            <a:endParaRPr lang="en-US" sz="3200" b="1">
-              <a:latin typeface="Arial" panose="020B0604020202020204" pitchFamily="34" charset="0"/>
-              <a:cs typeface="Arial" panose="020B0604020202020204" pitchFamily="34" charset="0"/>
-            </a:endParaRPr>
-          </a:p>
-        </p:txBody>
-      </p:sp>
-      <p:sp>
-        <p:nvSpPr>
-          <p:cNvPr id="3" name="Text Placeholder 2"/>
-          <p:cNvSpPr>
-            <a:spLocks noGrp="1"/>
-          </p:cNvSpPr>
-          <p:nvPr>
-            <p:ph type="body" idx="1"/>
+            <a:off x="839788" y="587375"/>
+            <a:ext cx="3932237" cy="800100"/>
+          </a:xfrm>
+        </p:spPr>
+        <p:txBody>
+          <a:bodyPr anchor="t"/>
+          <a:lstStyle/>
+          <a:p>
+            <a:r>
+              <a:rPr lang="en-US" b="1" smtClean="0"/>
+              <a:t>3. Goroutine</a:t>
+            </a:r>
+            <a:endParaRPr lang="en-US" b="1"/>
+          </a:p>
+        </p:txBody>
+      </p:sp>
+      <p:sp>
+        <p:nvSpPr>
+          <p:cNvPr id="8" name="Text Placeholder 4"/>
+          <p:cNvSpPr>
+            <a:spLocks noGrp="1"/>
+          </p:cNvSpPr>
+          <p:nvPr>
+            <p:ph type="body" sz="half" idx="2"/>
           </p:nvPr>
         </p:nvSpPr>
         <p:spPr>
           <a:xfrm>
-            <a:off x="839787" y="1147763"/>
-            <a:ext cx="5157787" cy="509587"/>
-          </a:xfrm>
-        </p:spPr>
-        <p:txBody>
-          <a:bodyPr anchor="ctr"/>
-          <a:lstStyle/>
-          <a:p>
-            <a:pPr algn="ctr"/>
-            <a:r>
-              <a:rPr lang="en-US" smtClean="0">
-                <a:latin typeface="Arial" panose="020B0604020202020204" pitchFamily="34" charset="0"/>
-                <a:cs typeface="Arial" panose="020B0604020202020204" pitchFamily="34" charset="0"/>
-              </a:rPr>
-              <a:t>without Mutex</a:t>
-            </a:r>
-            <a:endParaRPr lang="en-US">
-              <a:latin typeface="Arial" panose="020B0604020202020204" pitchFamily="34" charset="0"/>
-              <a:cs typeface="Arial" panose="020B0604020202020204" pitchFamily="34" charset="0"/>
-            </a:endParaRPr>
-          </a:p>
-        </p:txBody>
-      </p:sp>
-      <p:sp>
-        <p:nvSpPr>
-          <p:cNvPr id="5" name="Text Placeholder 4"/>
-          <p:cNvSpPr>
-            <a:spLocks noGrp="1"/>
-          </p:cNvSpPr>
-          <p:nvPr>
-            <p:ph type="body" sz="quarter" idx="3"/>
-          </p:nvPr>
-        </p:nvSpPr>
-        <p:spPr>
-          <a:xfrm>
-            <a:off x="6172200" y="1147763"/>
-            <a:ext cx="5183188" cy="509587"/>
+            <a:off x="839788" y="1387475"/>
+            <a:ext cx="4880076" cy="5188423"/>
           </a:xfrm>
         </p:spPr>
         <p:txBody>
@@ -3816,30 +3830,66 @@
           </a:bodyPr>
           <a:lstStyle/>
           <a:p>
-            <a:pPr algn="ctr"/>
-            <a:r>
-              <a:rPr lang="en-US" smtClean="0">
-                <a:latin typeface="Arial" panose="020B0604020202020204" pitchFamily="34" charset="0"/>
-                <a:cs typeface="Arial" panose="020B0604020202020204" pitchFamily="34" charset="0"/>
-              </a:rPr>
-              <a:t>with Mutex</a:t>
-            </a:r>
-            <a:endParaRPr lang="en-US">
-              <a:latin typeface="Arial" panose="020B0604020202020204" pitchFamily="34" charset="0"/>
-              <a:cs typeface="Arial" panose="020B0604020202020204" pitchFamily="34" charset="0"/>
-            </a:endParaRPr>
+            <a:pPr marL="342900" indent="-342900" algn="just">
+              <a:lnSpc>
+                <a:spcPct val="130000"/>
+              </a:lnSpc>
+              <a:buFont typeface="Arial" panose="020B0604020202020204" pitchFamily="34" charset="0"/>
+              <a:buChar char="•"/>
+            </a:pPr>
+            <a:r>
+              <a:rPr lang="en-US" sz="2400" smtClean="0"/>
+              <a:t>Thêm từ khóa </a:t>
+            </a:r>
+            <a:r>
+              <a:rPr lang="en-US" sz="2400" b="1" smtClean="0"/>
+              <a:t>go</a:t>
+            </a:r>
+            <a:r>
+              <a:rPr lang="en-US" sz="2400" smtClean="0"/>
+              <a:t> vào trước lời gọi hàm hoặc phương thức để khởi tạo goroutine mới</a:t>
+            </a:r>
+          </a:p>
+          <a:p>
+            <a:pPr marL="342900" indent="-342900" algn="just">
+              <a:lnSpc>
+                <a:spcPct val="130000"/>
+              </a:lnSpc>
+              <a:buFont typeface="Arial" panose="020B0604020202020204" pitchFamily="34" charset="0"/>
+              <a:buChar char="•"/>
+            </a:pPr>
+            <a:r>
+              <a:rPr lang="en-US" sz="2400" smtClean="0"/>
+              <a:t>Mỗi chương trình đều có ít nhất một goroutine, </a:t>
+            </a:r>
+            <a:r>
+              <a:rPr lang="en-US" sz="2400" b="1" smtClean="0"/>
+              <a:t>main goroutine</a:t>
+            </a:r>
+          </a:p>
+          <a:p>
+            <a:pPr marL="342900" indent="-342900" algn="just">
+              <a:lnSpc>
+                <a:spcPct val="130000"/>
+              </a:lnSpc>
+              <a:buFont typeface="Arial" panose="020B0604020202020204" pitchFamily="34" charset="0"/>
+              <a:buChar char="•"/>
+            </a:pPr>
+            <a:r>
+              <a:rPr lang="en-US" sz="2400" smtClean="0"/>
+              <a:t>Khi main goroutine dừng, các goroutine đang chạy sẽ tự chấm dứt, chương trình kết thúc.</a:t>
+            </a:r>
+            <a:endParaRPr lang="en-US" sz="2400" smtClean="0"/>
           </a:p>
         </p:txBody>
       </p:sp>
       <p:pic>
         <p:nvPicPr>
-          <p:cNvPr id="12" name="Content Placeholder 11"/>
+          <p:cNvPr id="3" name="Picture 2"/>
           <p:cNvPicPr>
-            <a:picLocks noGrp="1" noChangeAspect="1"/>
+            <a:picLocks noChangeAspect="1"/>
           </p:cNvPicPr>
-          <p:nvPr>
-            <p:ph sz="quarter" idx="4"/>
-          </p:nvPr>
+          <p:nvPr/>
         </p:nvPicPr>
         <p:blipFill>
           <a:blip r:embed="rId2"/>
@@ -3849,8 +3899,8 @@
         </p:blipFill>
         <p:spPr>
           <a:xfrm>
-            <a:off x="6482221" y="1657350"/>
-            <a:ext cx="4563145" cy="4532313"/>
+            <a:off x="6305448" y="1462673"/>
+            <a:ext cx="4142058" cy="4882220"/>
           </a:xfrm>
           <a:prstGeom prst="rect">
             <a:avLst/>
@@ -3859,13 +3909,11 @@
       </p:pic>
       <p:pic>
         <p:nvPicPr>
-          <p:cNvPr id="14" name="Content Placeholder 13"/>
+          <p:cNvPr id="4" name="Picture 3"/>
           <p:cNvPicPr>
-            <a:picLocks noGrp="1" noChangeAspect="1"/>
+            <a:picLocks noChangeAspect="1"/>
           </p:cNvPicPr>
-          <p:nvPr>
-            <p:ph sz="half" idx="2"/>
-          </p:nvPr>
+          <p:nvPr/>
         </p:nvPicPr>
         <p:blipFill>
           <a:blip r:embed="rId3"/>
@@ -3875,8 +3923,8 @@
         </p:blipFill>
         <p:spPr>
           <a:xfrm>
-            <a:off x="1046956" y="1666081"/>
-            <a:ext cx="4743450" cy="4514850"/>
+            <a:off x="10918282" y="2337971"/>
+            <a:ext cx="932031" cy="3131624"/>
           </a:xfrm>
           <a:prstGeom prst="rect">
             <a:avLst/>
@@ -3886,7 +3934,7 @@
     </p:spTree>
     <p:extLst>
       <p:ext uri="{BB962C8B-B14F-4D97-AF65-F5344CB8AC3E}">
-        <p14:creationId xmlns:p14="http://schemas.microsoft.com/office/powerpoint/2010/main" val="2240075210"/>
+        <p14:creationId xmlns:p14="http://schemas.microsoft.com/office/powerpoint/2010/main" val="928403767"/>
       </p:ext>
     </p:extLst>
   </p:cSld>
@@ -3932,6 +3980,203 @@
         </p:nvSpPr>
         <p:spPr>
           <a:xfrm>
+            <a:off x="839788" y="365125"/>
+            <a:ext cx="10515600" cy="720725"/>
+          </a:xfrm>
+        </p:spPr>
+        <p:txBody>
+          <a:bodyPr>
+            <a:normAutofit/>
+          </a:bodyPr>
+          <a:lstStyle/>
+          <a:p>
+            <a:r>
+              <a:rPr lang="en-US" sz="3200" b="1" smtClean="0">
+                <a:latin typeface="Arial" panose="020B0604020202020204" pitchFamily="34" charset="0"/>
+                <a:cs typeface="Arial" panose="020B0604020202020204" pitchFamily="34" charset="0"/>
+              </a:rPr>
+              <a:t>sync.Mutex</a:t>
+            </a:r>
+            <a:endParaRPr lang="en-US" sz="3200" b="1">
+              <a:latin typeface="Arial" panose="020B0604020202020204" pitchFamily="34" charset="0"/>
+              <a:cs typeface="Arial" panose="020B0604020202020204" pitchFamily="34" charset="0"/>
+            </a:endParaRPr>
+          </a:p>
+        </p:txBody>
+      </p:sp>
+      <p:sp>
+        <p:nvSpPr>
+          <p:cNvPr id="3" name="Text Placeholder 2"/>
+          <p:cNvSpPr>
+            <a:spLocks noGrp="1"/>
+          </p:cNvSpPr>
+          <p:nvPr>
+            <p:ph type="body" idx="1"/>
+          </p:nvPr>
+        </p:nvSpPr>
+        <p:spPr>
+          <a:xfrm>
+            <a:off x="839787" y="1147763"/>
+            <a:ext cx="5157787" cy="509587"/>
+          </a:xfrm>
+        </p:spPr>
+        <p:txBody>
+          <a:bodyPr anchor="ctr"/>
+          <a:lstStyle/>
+          <a:p>
+            <a:pPr algn="ctr"/>
+            <a:r>
+              <a:rPr lang="en-US" smtClean="0">
+                <a:latin typeface="Arial" panose="020B0604020202020204" pitchFamily="34" charset="0"/>
+                <a:cs typeface="Arial" panose="020B0604020202020204" pitchFamily="34" charset="0"/>
+              </a:rPr>
+              <a:t>without Mutex</a:t>
+            </a:r>
+            <a:endParaRPr lang="en-US">
+              <a:latin typeface="Arial" panose="020B0604020202020204" pitchFamily="34" charset="0"/>
+              <a:cs typeface="Arial" panose="020B0604020202020204" pitchFamily="34" charset="0"/>
+            </a:endParaRPr>
+          </a:p>
+        </p:txBody>
+      </p:sp>
+      <p:sp>
+        <p:nvSpPr>
+          <p:cNvPr id="5" name="Text Placeholder 4"/>
+          <p:cNvSpPr>
+            <a:spLocks noGrp="1"/>
+          </p:cNvSpPr>
+          <p:nvPr>
+            <p:ph type="body" sz="quarter" idx="3"/>
+          </p:nvPr>
+        </p:nvSpPr>
+        <p:spPr>
+          <a:xfrm>
+            <a:off x="6172200" y="1147763"/>
+            <a:ext cx="5183188" cy="509587"/>
+          </a:xfrm>
+        </p:spPr>
+        <p:txBody>
+          <a:bodyPr anchor="ctr">
+            <a:normAutofit/>
+          </a:bodyPr>
+          <a:lstStyle/>
+          <a:p>
+            <a:pPr algn="ctr"/>
+            <a:r>
+              <a:rPr lang="en-US" smtClean="0">
+                <a:latin typeface="Arial" panose="020B0604020202020204" pitchFamily="34" charset="0"/>
+                <a:cs typeface="Arial" panose="020B0604020202020204" pitchFamily="34" charset="0"/>
+              </a:rPr>
+              <a:t>with Mutex</a:t>
+            </a:r>
+            <a:endParaRPr lang="en-US">
+              <a:latin typeface="Arial" panose="020B0604020202020204" pitchFamily="34" charset="0"/>
+              <a:cs typeface="Arial" panose="020B0604020202020204" pitchFamily="34" charset="0"/>
+            </a:endParaRPr>
+          </a:p>
+        </p:txBody>
+      </p:sp>
+      <p:pic>
+        <p:nvPicPr>
+          <p:cNvPr id="12" name="Content Placeholder 11"/>
+          <p:cNvPicPr>
+            <a:picLocks noGrp="1" noChangeAspect="1"/>
+          </p:cNvPicPr>
+          <p:nvPr>
+            <p:ph sz="quarter" idx="4"/>
+          </p:nvPr>
+        </p:nvPicPr>
+        <p:blipFill>
+          <a:blip r:embed="rId2"/>
+          <a:stretch>
+            <a:fillRect/>
+          </a:stretch>
+        </p:blipFill>
+        <p:spPr>
+          <a:xfrm>
+            <a:off x="6482221" y="1657350"/>
+            <a:ext cx="4563145" cy="4532313"/>
+          </a:xfrm>
+          <a:prstGeom prst="rect">
+            <a:avLst/>
+          </a:prstGeom>
+        </p:spPr>
+      </p:pic>
+      <p:pic>
+        <p:nvPicPr>
+          <p:cNvPr id="14" name="Content Placeholder 13"/>
+          <p:cNvPicPr>
+            <a:picLocks noGrp="1" noChangeAspect="1"/>
+          </p:cNvPicPr>
+          <p:nvPr>
+            <p:ph sz="half" idx="2"/>
+          </p:nvPr>
+        </p:nvPicPr>
+        <p:blipFill>
+          <a:blip r:embed="rId3"/>
+          <a:stretch>
+            <a:fillRect/>
+          </a:stretch>
+        </p:blipFill>
+        <p:spPr>
+          <a:xfrm>
+            <a:off x="1046956" y="1666081"/>
+            <a:ext cx="4743450" cy="4514850"/>
+          </a:xfrm>
+          <a:prstGeom prst="rect">
+            <a:avLst/>
+          </a:prstGeom>
+        </p:spPr>
+      </p:pic>
+    </p:spTree>
+    <p:extLst>
+      <p:ext uri="{BB962C8B-B14F-4D97-AF65-F5344CB8AC3E}">
+        <p14:creationId xmlns:p14="http://schemas.microsoft.com/office/powerpoint/2010/main" val="2240075210"/>
+      </p:ext>
+    </p:extLst>
+  </p:cSld>
+  <p:clrMapOvr>
+    <a:masterClrMapping/>
+  </p:clrMapOvr>
+  <p:timing>
+    <p:tnLst>
+      <p:par>
+        <p:cTn id="1" dur="indefinite" restart="never" nodeType="tmRoot"/>
+      </p:par>
+    </p:tnLst>
+  </p:timing>
+</p:sld>
+</file>
+
+<file path=ppt/slides/slide13.xml><?xml version="1.0" encoding="utf-8"?>
+<p:sld xmlns:a="http://schemas.openxmlformats.org/drawingml/2006/main" xmlns:r="http://schemas.openxmlformats.org/officeDocument/2006/relationships" xmlns:p="http://schemas.openxmlformats.org/presentationml/2006/main">
+  <p:cSld>
+    <p:spTree>
+      <p:nvGrpSpPr>
+        <p:cNvPr id="1" name=""/>
+        <p:cNvGrpSpPr/>
+        <p:nvPr/>
+      </p:nvGrpSpPr>
+      <p:grpSpPr>
+        <a:xfrm>
+          <a:off x="0" y="0"/>
+          <a:ext cx="0" cy="0"/>
+          <a:chOff x="0" y="0"/>
+          <a:chExt cx="0" cy="0"/>
+        </a:xfrm>
+      </p:grpSpPr>
+      <p:sp>
+        <p:nvSpPr>
+          <p:cNvPr id="2" name="Title 1"/>
+          <p:cNvSpPr>
+            <a:spLocks noGrp="1"/>
+          </p:cNvSpPr>
+          <p:nvPr>
+            <p:ph type="title"/>
+          </p:nvPr>
+        </p:nvSpPr>
+        <p:spPr>
+          <a:xfrm>
             <a:off x="839788" y="365124"/>
             <a:ext cx="3932237" cy="622300"/>
           </a:xfrm>
@@ -4073,7 +4318,7 @@
 </p:sld>
 </file>
 
-<file path=ppt/slides/slide13.xml><?xml version="1.0" encoding="utf-8"?>
+<file path=ppt/slides/slide14.xml><?xml version="1.0" encoding="utf-8"?>
 <p:sld xmlns:a="http://schemas.openxmlformats.org/drawingml/2006/main" xmlns:r="http://schemas.openxmlformats.org/officeDocument/2006/relationships" xmlns:p="http://schemas.openxmlformats.org/presentationml/2006/main">
   <p:cSld>
     <p:spTree>
